--- a/spring12/slidesS12/gamblers-ruin.pptx
+++ b/spring12/slidesS12/gamblers-ruin.pptx
@@ -3100,11 +3100,7 @@
             </a:r>
             <a:r>
               <a:rPr lang="en-US" dirty="0" smtClean="0"/>
-              <a:t>14W</a:t>
-            </a:r>
-            <a:r>
-              <a:rPr lang="en-US" dirty="0" smtClean="0"/>
-              <a:t>.</a:t>
+              <a:t>14M.</a:t>
             </a:r>
             <a:fld id="{52DC2636-7C60-9B40-89EE-9F4C3E34F60C}" type="slidenum">
               <a:rPr lang="en-US" smtClean="0"/>
@@ -3170,7 +3166,15 @@
             </a:pPr>
             <a:r>
               <a:rPr lang="en-US" dirty="0" smtClean="0"/>
-              <a:t>Albert R Meyer,                        May 16, 2012</a:t>
+              <a:t>Albert R Meyer,                        May </a:t>
+            </a:r>
+            <a:r>
+              <a:rPr lang="en-US" dirty="0" smtClean="0"/>
+              <a:t>14, </a:t>
+            </a:r>
+            <a:r>
+              <a:rPr lang="en-US" dirty="0" smtClean="0"/>
+              <a:t>2012</a:t>
             </a:r>
             <a:endParaRPr lang="en-US" dirty="0"/>
           </a:p>
@@ -3308,11 +3312,7 @@
             </a:r>
             <a:r>
               <a:rPr lang="en-US" dirty="0" smtClean="0"/>
-              <a:t>14W</a:t>
-            </a:r>
-            <a:r>
-              <a:rPr lang="en-US" dirty="0" smtClean="0"/>
-              <a:t>.</a:t>
+              <a:t>14M.</a:t>
             </a:r>
             <a:fld id="{E877D3CB-F960-BD47-98A7-06971C504846}" type="slidenum">
               <a:rPr lang="en-US" smtClean="0"/>
@@ -3378,11 +3378,15 @@
             </a:pPr>
             <a:r>
               <a:rPr lang="en-US" dirty="0" smtClean="0"/>
-              <a:t>Albert R Meyer,                        </a:t>
+              <a:t>Albert R Meyer,                        May </a:t>
             </a:r>
             <a:r>
               <a:rPr lang="en-US" dirty="0" smtClean="0"/>
-              <a:t>May 16, 2012</a:t>
+              <a:t>14, </a:t>
+            </a:r>
+            <a:r>
+              <a:rPr lang="en-US" dirty="0" smtClean="0"/>
+              <a:t>2012</a:t>
             </a:r>
             <a:endParaRPr lang="en-US" dirty="0"/>
           </a:p>
@@ -3468,11 +3472,7 @@
             </a:r>
             <a:r>
               <a:rPr lang="en-US" dirty="0" smtClean="0"/>
-              <a:t>14W</a:t>
-            </a:r>
-            <a:r>
-              <a:rPr lang="en-US" dirty="0" smtClean="0"/>
-              <a:t>.</a:t>
+              <a:t>14M.</a:t>
             </a:r>
             <a:fld id="{33406DE3-95F7-424A-AC10-91858B7908A3}" type="slidenum">
               <a:rPr lang="en-US" smtClean="0"/>
@@ -3538,11 +3538,15 @@
             </a:pPr>
             <a:r>
               <a:rPr lang="en-US" dirty="0" smtClean="0"/>
-              <a:t>Albert R Meyer,                        </a:t>
+              <a:t>Albert R Meyer,                        May </a:t>
             </a:r>
             <a:r>
               <a:rPr lang="en-US" dirty="0" smtClean="0"/>
-              <a:t>May 16, 2012</a:t>
+              <a:t>14, </a:t>
+            </a:r>
+            <a:r>
+              <a:rPr lang="en-US" dirty="0" smtClean="0"/>
+              <a:t>2012</a:t>
             </a:r>
             <a:endParaRPr lang="en-US" dirty="0"/>
           </a:p>
@@ -3605,7 +3609,7 @@
             </a:r>
             <a:r>
               <a:rPr lang="en-US" dirty="0" smtClean="0"/>
-              <a:t>14W.</a:t>
+              <a:t>14M.</a:t>
             </a:r>
             <a:fld id="{C316881D-9589-DF4F-A336-A08976BD8D3F}" type="slidenum">
               <a:rPr lang="en-US" smtClean="0"/>
@@ -3671,11 +3675,15 @@
             </a:pPr>
             <a:r>
               <a:rPr lang="en-US" dirty="0" smtClean="0"/>
-              <a:t>Albert R Meyer,                       </a:t>
+              <a:t>Albert R Meyer,                       May </a:t>
             </a:r>
             <a:r>
               <a:rPr lang="en-US" dirty="0" smtClean="0"/>
-              <a:t>May 16, 2012</a:t>
+              <a:t>14, </a:t>
+            </a:r>
+            <a:r>
+              <a:rPr lang="en-US" dirty="0" smtClean="0"/>
+              <a:t>2012</a:t>
             </a:r>
             <a:endParaRPr lang="en-US" dirty="0"/>
           </a:p>
@@ -3897,7 +3905,7 @@
             </a:r>
             <a:r>
               <a:rPr lang="en-US" dirty="0" smtClean="0"/>
-              <a:t>14W.</a:t>
+              <a:t>14M.</a:t>
             </a:r>
             <a:fld id="{A8E63D04-532A-9B48-95DF-D3C7BF4C2159}" type="slidenum">
               <a:rPr lang="en-US" smtClean="0"/>
@@ -3963,11 +3971,15 @@
             </a:pPr>
             <a:r>
               <a:rPr lang="en-US" dirty="0" smtClean="0"/>
-              <a:t>Albert R Meyer,                       </a:t>
+              <a:t>Albert R Meyer,                       May </a:t>
             </a:r>
             <a:r>
               <a:rPr lang="en-US" dirty="0" smtClean="0"/>
-              <a:t>May 16, 2012</a:t>
+              <a:t>14, </a:t>
+            </a:r>
+            <a:r>
+              <a:rPr lang="en-US" dirty="0" smtClean="0"/>
+              <a:t>2012</a:t>
             </a:r>
             <a:endParaRPr lang="en-US" dirty="0"/>
           </a:p>
@@ -4168,7 +4180,15 @@
             </a:pPr>
             <a:r>
               <a:rPr lang="en-US" dirty="0" smtClean="0"/>
-              <a:t>Albert R Meyer,                        May 16, 2012</a:t>
+              <a:t>Albert R Meyer,                        May </a:t>
+            </a:r>
+            <a:r>
+              <a:rPr lang="en-US" dirty="0" smtClean="0"/>
+              <a:t>14, </a:t>
+            </a:r>
+            <a:r>
+              <a:rPr lang="en-US" dirty="0" smtClean="0"/>
+              <a:t>2012</a:t>
             </a:r>
             <a:endParaRPr lang="en-US" dirty="0"/>
           </a:p>
@@ -4225,11 +4245,7 @@
             </a:r>
             <a:r>
               <a:rPr lang="en-US" dirty="0" smtClean="0"/>
-              <a:t>14W</a:t>
-            </a:r>
-            <a:r>
-              <a:rPr lang="en-US" dirty="0" smtClean="0"/>
-              <a:t>.</a:t>
+              <a:t>14M.</a:t>
             </a:r>
             <a:fld id="{C89161E8-A6DA-FD48-A57E-E88250C15759}" type="slidenum">
               <a:rPr lang="en-US"/>
@@ -4782,7 +4798,7 @@
             </a:r>
             <a:r>
               <a:rPr lang="en-US" dirty="0" smtClean="0"/>
-              <a:t>14W.</a:t>
+              <a:t>14M.</a:t>
             </a:r>
             <a:fld id="{2D031A48-BBCF-B248-9771-B601B0D38C0B}" type="slidenum">
               <a:rPr lang="en-US" smtClean="0"/>
@@ -4956,11 +4972,15 @@
             </a:pPr>
             <a:r>
               <a:rPr lang="en-US" dirty="0" smtClean="0"/>
-              <a:t>Albert R Meyer,               </a:t>
+              <a:t>Albert R Meyer,               May </a:t>
             </a:r>
             <a:r>
               <a:rPr lang="en-US" dirty="0" smtClean="0"/>
-              <a:t>May 16, 2012</a:t>
+              <a:t>14, </a:t>
+            </a:r>
+            <a:r>
+              <a:rPr lang="en-US" dirty="0" smtClean="0"/>
+              <a:t>2012</a:t>
             </a:r>
             <a:endParaRPr lang="en-US" dirty="0"/>
           </a:p>
@@ -5025,7 +5045,7 @@
             </a:r>
             <a:r>
               <a:rPr lang="en-US" dirty="0" smtClean="0"/>
-              <a:t>14W.</a:t>
+              <a:t>14M.</a:t>
             </a:r>
             <a:fld id="{F27F5B8B-217C-0D4F-99AD-868E856C8FC1}" type="slidenum">
               <a:rPr lang="en-US" smtClean="0"/>
@@ -5308,7 +5328,11 @@
             </a:r>
             <a:r>
               <a:rPr lang="en-US" dirty="0" smtClean="0"/>
-              <a:t>May 16, 2012</a:t>
+              <a:t>May 14, </a:t>
+            </a:r>
+            <a:r>
+              <a:rPr lang="en-US" dirty="0" smtClean="0"/>
+              <a:t>2012</a:t>
             </a:r>
             <a:endParaRPr lang="en-US" dirty="0"/>
           </a:p>
@@ -5585,7 +5609,7 @@
             </a:r>
             <a:r>
               <a:rPr lang="en-US" dirty="0" smtClean="0"/>
-              <a:t>14W.</a:t>
+              <a:t>14M.</a:t>
             </a:r>
             <a:fld id="{C4461F72-8397-A54C-8A8A-56C7DBF0D442}" type="slidenum">
               <a:rPr lang="en-US" smtClean="0"/>
@@ -5673,7 +5697,11 @@
             </a:r>
             <a:r>
               <a:rPr lang="en-US" dirty="0" smtClean="0"/>
-              <a:t>May 16, 2012</a:t>
+              <a:t>May 14, </a:t>
+            </a:r>
+            <a:r>
+              <a:rPr lang="en-US" dirty="0" smtClean="0"/>
+              <a:t>2012</a:t>
             </a:r>
             <a:endParaRPr lang="en-US" dirty="0"/>
           </a:p>
@@ -5753,7 +5781,7 @@
           <a:graphicData uri="http://schemas.openxmlformats.org/presentationml/2006/ole">
             <mc:AlternateContent xmlns:mc="http://schemas.openxmlformats.org/markup-compatibility/2006">
               <mc:Choice xmlns:v="urn:schemas-microsoft-com:vml" Requires="v">
-                <p:oleObj spid="_x0000_s232470" name="Equation" r:id="rId4" imgW="838200" imgH="469900" progId="Equation.DSMT4">
+                <p:oleObj spid="_x0000_s232474" name="Equation" r:id="rId4" imgW="838200" imgH="469900" progId="Equation.DSMT4">
                   <p:embed/>
                 </p:oleObj>
               </mc:Choice>
@@ -5954,7 +5982,7 @@
             </a:r>
             <a:r>
               <a:rPr lang="en-US" dirty="0" smtClean="0"/>
-              <a:t>14W.</a:t>
+              <a:t>14M.</a:t>
             </a:r>
             <a:fld id="{C4461F72-8397-A54C-8A8A-56C7DBF0D442}" type="slidenum">
               <a:rPr lang="en-US" smtClean="0"/>
@@ -6042,7 +6070,11 @@
             </a:r>
             <a:r>
               <a:rPr lang="en-US" dirty="0" smtClean="0"/>
-              <a:t>May 16, 2012</a:t>
+              <a:t>May 14, </a:t>
+            </a:r>
+            <a:r>
+              <a:rPr lang="en-US" dirty="0" smtClean="0"/>
+              <a:t>2012</a:t>
             </a:r>
             <a:endParaRPr lang="en-US" dirty="0"/>
           </a:p>
@@ -6124,7 +6156,7 @@
           <a:graphicData uri="http://schemas.openxmlformats.org/presentationml/2006/ole">
             <mc:AlternateContent xmlns:mc="http://schemas.openxmlformats.org/markup-compatibility/2006">
               <mc:Choice xmlns:v="urn:schemas-microsoft-com:vml" Requires="v">
-                <p:oleObj spid="_x0000_s234518" name="Equation" r:id="rId4" imgW="1092200" imgH="609600" progId="Equation.DSMT4">
+                <p:oleObj spid="_x0000_s234522" name="Equation" r:id="rId4" imgW="1092200" imgH="609600" progId="Equation.DSMT4">
                   <p:embed/>
                 </p:oleObj>
               </mc:Choice>
@@ -6504,7 +6536,7 @@
             </a:r>
             <a:r>
               <a:rPr lang="en-US" dirty="0" smtClean="0"/>
-              <a:t>14W.</a:t>
+              <a:t>14M.</a:t>
             </a:r>
             <a:fld id="{4A69EEA4-35FB-7045-A76F-2B5F28C09DC4}" type="slidenum">
               <a:rPr lang="en-US" smtClean="0"/>
@@ -6778,7 +6810,11 @@
             </a:r>
             <a:r>
               <a:rPr lang="en-US" dirty="0" smtClean="0"/>
-              <a:t>May 16, 2012</a:t>
+              <a:t>May 14, </a:t>
+            </a:r>
+            <a:r>
+              <a:rPr lang="en-US" dirty="0" smtClean="0"/>
+              <a:t>2012</a:t>
             </a:r>
             <a:endParaRPr lang="en-US" dirty="0"/>
           </a:p>
@@ -6800,7 +6836,7 @@
           <a:graphicData uri="http://schemas.openxmlformats.org/presentationml/2006/ole">
             <mc:AlternateContent xmlns:mc="http://schemas.openxmlformats.org/markup-compatibility/2006">
               <mc:Choice xmlns:v="urn:schemas-microsoft-com:vml" Requires="v">
-                <p:oleObj spid="_x0000_s236567" name="Equation" r:id="rId4" imgW="914400" imgH="914400" progId="Equation.DSMT4">
+                <p:oleObj spid="_x0000_s236571" name="Equation" r:id="rId4" imgW="914400" imgH="914400" progId="Equation.DSMT4">
                   <p:embed/>
                 </p:oleObj>
               </mc:Choice>
@@ -7102,7 +7138,7 @@
             </a:r>
             <a:r>
               <a:rPr lang="en-US" dirty="0" smtClean="0"/>
-              <a:t>14W.</a:t>
+              <a:t>14M.</a:t>
             </a:r>
             <a:fld id="{B826CD8C-0477-834C-B53A-FCC4FCE3844A}" type="slidenum">
               <a:rPr lang="en-US" smtClean="0"/>
@@ -8797,7 +8833,11 @@
             </a:r>
             <a:r>
               <a:rPr lang="en-US" dirty="0" smtClean="0"/>
-              <a:t>May 16, 2012</a:t>
+              <a:t>May 14, </a:t>
+            </a:r>
+            <a:r>
+              <a:rPr lang="en-US" dirty="0" smtClean="0"/>
+              <a:t>2012</a:t>
             </a:r>
             <a:endParaRPr lang="en-US" dirty="0"/>
           </a:p>
@@ -9601,7 +9641,7 @@
             </a:r>
             <a:r>
               <a:rPr lang="en-US" dirty="0" smtClean="0"/>
-              <a:t>14W.</a:t>
+              <a:t>14M.</a:t>
             </a:r>
             <a:fld id="{AFF3B048-DFE0-4C46-9EA8-032933489598}" type="slidenum">
               <a:rPr lang="en-US" smtClean="0"/>
@@ -10391,7 +10431,11 @@
             </a:r>
             <a:r>
               <a:rPr lang="en-US" dirty="0" smtClean="0"/>
-              <a:t>May 16, 2012</a:t>
+              <a:t>May 14, </a:t>
+            </a:r>
+            <a:r>
+              <a:rPr lang="en-US" dirty="0" smtClean="0"/>
+              <a:t>2012</a:t>
             </a:r>
             <a:endParaRPr lang="en-US" dirty="0"/>
           </a:p>
@@ -11006,7 +11050,7 @@
             </a:r>
             <a:r>
               <a:rPr lang="en-US" dirty="0" smtClean="0"/>
-              <a:t>14W.</a:t>
+              <a:t>14M.</a:t>
             </a:r>
             <a:fld id="{AFF3B048-DFE0-4C46-9EA8-032933489598}" type="slidenum">
               <a:rPr lang="en-US" smtClean="0"/>
@@ -11700,7 +11744,11 @@
             </a:r>
             <a:r>
               <a:rPr lang="en-US" dirty="0" smtClean="0"/>
-              <a:t>May 16, 2012</a:t>
+              <a:t>May 14, </a:t>
+            </a:r>
+            <a:r>
+              <a:rPr lang="en-US" dirty="0" smtClean="0"/>
+              <a:t>2012</a:t>
             </a:r>
             <a:endParaRPr lang="en-US" dirty="0"/>
           </a:p>
@@ -12057,7 +12105,7 @@
             </a:r>
             <a:r>
               <a:rPr lang="en-US" dirty="0" smtClean="0"/>
-              <a:t>14W.</a:t>
+              <a:t>14M.</a:t>
             </a:r>
             <a:fld id="{1CB8D558-C5D6-7E41-8E71-BB0C744D2D8B}" type="slidenum">
               <a:rPr lang="en-US" smtClean="0"/>
@@ -12475,7 +12523,11 @@
             </a:r>
             <a:r>
               <a:rPr lang="en-US" dirty="0" smtClean="0"/>
-              <a:t>May 16, 2012</a:t>
+              <a:t>May 14, </a:t>
+            </a:r>
+            <a:r>
+              <a:rPr lang="en-US" dirty="0" smtClean="0"/>
+              <a:t>2012</a:t>
             </a:r>
             <a:endParaRPr lang="en-US" dirty="0"/>
           </a:p>
@@ -13106,7 +13158,7 @@
             </a:r>
             <a:r>
               <a:rPr lang="en-US" dirty="0" smtClean="0"/>
-              <a:t>14W.</a:t>
+              <a:t>14M.</a:t>
             </a:r>
             <a:fld id="{E877D3CB-F960-BD47-98A7-06971C504846}" type="slidenum">
               <a:rPr lang="en-US" smtClean="0"/>
@@ -13149,7 +13201,11 @@
             </a:r>
             <a:r>
               <a:rPr lang="en-US" dirty="0" smtClean="0"/>
-              <a:t>May 16, 2012</a:t>
+              <a:t>May 14, </a:t>
+            </a:r>
+            <a:r>
+              <a:rPr lang="en-US" dirty="0" smtClean="0"/>
+              <a:t>2012</a:t>
             </a:r>
             <a:endParaRPr lang="en-US" dirty="0"/>
           </a:p>
@@ -13596,7 +13652,7 @@
             </a:r>
             <a:r>
               <a:rPr lang="en-US" dirty="0" smtClean="0"/>
-              <a:t>14W.</a:t>
+              <a:t>14M.</a:t>
             </a:r>
             <a:fld id="{1CB8D558-C5D6-7E41-8E71-BB0C744D2D8B}" type="slidenum">
               <a:rPr lang="en-US" smtClean="0"/>
@@ -13928,7 +13984,11 @@
             </a:r>
             <a:r>
               <a:rPr lang="en-US" dirty="0" smtClean="0"/>
-              <a:t>May 16, 2012</a:t>
+              <a:t>May 14, </a:t>
+            </a:r>
+            <a:r>
+              <a:rPr lang="en-US" dirty="0" smtClean="0"/>
+              <a:t>2012</a:t>
             </a:r>
             <a:endParaRPr lang="en-US" dirty="0"/>
           </a:p>
@@ -14303,7 +14363,7 @@
             </a:r>
             <a:r>
               <a:rPr lang="en-US" dirty="0" smtClean="0"/>
-              <a:t>14W.</a:t>
+              <a:t>14M.</a:t>
             </a:r>
             <a:fld id="{E877D3CB-F960-BD47-98A7-06971C504846}" type="slidenum">
               <a:rPr lang="en-US" smtClean="0"/>
@@ -14504,7 +14564,7 @@
             </a:r>
             <a:r>
               <a:rPr lang="en-US" dirty="0" smtClean="0"/>
-              <a:t>14W.</a:t>
+              <a:t>14M.</a:t>
             </a:r>
             <a:fld id="{F71DCE68-83CD-E84B-A3DE-B86BB2400F98}" type="slidenum">
               <a:rPr lang="en-US" smtClean="0"/>
@@ -14829,7 +14889,11 @@
             </a:r>
             <a:r>
               <a:rPr lang="en-US" dirty="0" smtClean="0"/>
-              <a:t>May 16, 2012</a:t>
+              <a:t>May 14, </a:t>
+            </a:r>
+            <a:r>
+              <a:rPr lang="en-US" dirty="0" smtClean="0"/>
+              <a:t>2012</a:t>
             </a:r>
             <a:endParaRPr lang="en-US" dirty="0"/>
           </a:p>
@@ -14879,7 +14943,7 @@
           <a:graphicData uri="http://schemas.openxmlformats.org/presentationml/2006/ole">
             <mc:AlternateContent xmlns:mc="http://schemas.openxmlformats.org/markup-compatibility/2006">
               <mc:Choice xmlns:v="urn:schemas-microsoft-com:vml" Requires="v">
-                <p:oleObj spid="_x0000_s58400" name="Equation" r:id="rId4" imgW="1028700" imgH="469900" progId="Equation.DSMT4">
+                <p:oleObj spid="_x0000_s58407" name="Equation" r:id="rId4" imgW="1028700" imgH="469900" progId="Equation.DSMT4">
                   <p:embed/>
                 </p:oleObj>
               </mc:Choice>
@@ -14949,7 +15013,7 @@
           <a:graphicData uri="http://schemas.openxmlformats.org/presentationml/2006/ole">
             <mc:AlternateContent xmlns:mc="http://schemas.openxmlformats.org/markup-compatibility/2006">
               <mc:Choice xmlns:v="urn:schemas-microsoft-com:vml" Requires="v">
-                <p:oleObj spid="_x0000_s58401" name="Equation" r:id="rId6" imgW="812800" imgH="469900" progId="Equation.DSMT4">
+                <p:oleObj spid="_x0000_s58408" name="Equation" r:id="rId6" imgW="812800" imgH="469900" progId="Equation.DSMT4">
                   <p:embed/>
                 </p:oleObj>
               </mc:Choice>
@@ -15317,7 +15381,7 @@
             </a:r>
             <a:r>
               <a:rPr lang="en-US" dirty="0" smtClean="0"/>
-              <a:t>14W.</a:t>
+              <a:t>14M.</a:t>
             </a:r>
             <a:fld id="{DAF848F9-8936-D246-AA1C-2FD33CAFBEED}" type="slidenum">
               <a:rPr lang="en-US" smtClean="0"/>
@@ -15558,7 +15622,11 @@
             </a:r>
             <a:r>
               <a:rPr lang="en-US" dirty="0" smtClean="0"/>
-              <a:t>May 16, 2012</a:t>
+              <a:t>May 14, </a:t>
+            </a:r>
+            <a:r>
+              <a:rPr lang="en-US" dirty="0" smtClean="0"/>
+              <a:t>2012</a:t>
             </a:r>
             <a:endParaRPr lang="en-US" dirty="0"/>
           </a:p>
@@ -15580,7 +15648,7 @@
           <a:graphicData uri="http://schemas.openxmlformats.org/presentationml/2006/ole">
             <mc:AlternateContent xmlns:mc="http://schemas.openxmlformats.org/markup-compatibility/2006">
               <mc:Choice xmlns:v="urn:schemas-microsoft-com:vml" Requires="v">
-                <p:oleObj spid="_x0000_s60472" name="Equation" r:id="rId4" imgW="812800" imgH="469900" progId="Equation.DSMT4">
+                <p:oleObj spid="_x0000_s60482" name="Equation" r:id="rId4" imgW="812800" imgH="469900" progId="Equation.DSMT4">
                   <p:embed/>
                 </p:oleObj>
               </mc:Choice>
@@ -15664,7 +15732,7 @@
           <a:graphicData uri="http://schemas.openxmlformats.org/presentationml/2006/ole">
             <mc:AlternateContent xmlns:mc="http://schemas.openxmlformats.org/markup-compatibility/2006">
               <mc:Choice xmlns:v="urn:schemas-microsoft-com:vml" Requires="v">
-                <p:oleObj spid="_x0000_s60473" name="Equation" r:id="rId6" imgW="368300" imgH="469900" progId="Equation.DSMT4">
+                <p:oleObj spid="_x0000_s60483" name="Equation" r:id="rId6" imgW="368300" imgH="469900" progId="Equation.DSMT4">
                   <p:embed/>
                 </p:oleObj>
               </mc:Choice>
@@ -15748,7 +15816,7 @@
           <a:graphicData uri="http://schemas.openxmlformats.org/presentationml/2006/ole">
             <mc:AlternateContent xmlns:mc="http://schemas.openxmlformats.org/markup-compatibility/2006">
               <mc:Choice xmlns:v="urn:schemas-microsoft-com:vml" Requires="v">
-                <p:oleObj spid="_x0000_s60474" name="Equation" r:id="rId8" imgW="571500" imgH="596900" progId="Equation.DSMT4">
+                <p:oleObj spid="_x0000_s60484" name="Equation" r:id="rId8" imgW="571500" imgH="596900" progId="Equation.DSMT4">
                   <p:embed/>
                 </p:oleObj>
               </mc:Choice>
@@ -16404,7 +16472,7 @@
             </a:r>
             <a:r>
               <a:rPr lang="en-US" dirty="0" smtClean="0"/>
-              <a:t>14W.</a:t>
+              <a:t>14M.</a:t>
             </a:r>
             <a:fld id="{E64F7034-A11A-0644-94AE-9DEDC6AA55D3}" type="slidenum">
               <a:rPr lang="en-US" smtClean="0"/>
@@ -16827,7 +16895,11 @@
             </a:r>
             <a:r>
               <a:rPr lang="en-US" dirty="0" smtClean="0"/>
-              <a:t>May 16, 2012</a:t>
+              <a:t>May 14, </a:t>
+            </a:r>
+            <a:r>
+              <a:rPr lang="en-US" dirty="0" smtClean="0"/>
+              <a:t>2012</a:t>
             </a:r>
             <a:endParaRPr lang="en-US" dirty="0"/>
           </a:p>
@@ -17037,7 +17109,7 @@
             </a:r>
             <a:r>
               <a:rPr lang="en-US" dirty="0" smtClean="0"/>
-              <a:t>14W.</a:t>
+              <a:t>14M.</a:t>
             </a:r>
             <a:fld id="{4A69EEA4-35FB-7045-A76F-2B5F28C09DC4}" type="slidenum">
               <a:rPr lang="en-US" smtClean="0"/>
@@ -17435,7 +17507,11 @@
             </a:r>
             <a:r>
               <a:rPr lang="en-US" dirty="0" smtClean="0"/>
-              <a:t>May 16, 2012</a:t>
+              <a:t>May 14, </a:t>
+            </a:r>
+            <a:r>
+              <a:rPr lang="en-US" dirty="0" smtClean="0"/>
+              <a:t>2012</a:t>
             </a:r>
             <a:endParaRPr lang="en-US" dirty="0"/>
           </a:p>
@@ -17636,7 +17712,7 @@
             </a:r>
             <a:r>
               <a:rPr lang="en-US" dirty="0" smtClean="0"/>
-              <a:t>14W.</a:t>
+              <a:t>14M.</a:t>
             </a:r>
             <a:fld id="{4A69EEA4-35FB-7045-A76F-2B5F28C09DC4}" type="slidenum">
               <a:rPr lang="en-US" smtClean="0"/>
@@ -18095,7 +18171,11 @@
             </a:r>
             <a:r>
               <a:rPr lang="en-US" dirty="0" smtClean="0"/>
-              <a:t>May 16, 2012</a:t>
+              <a:t>May 14, </a:t>
+            </a:r>
+            <a:r>
+              <a:rPr lang="en-US" dirty="0" smtClean="0"/>
+              <a:t>2012</a:t>
             </a:r>
             <a:endParaRPr lang="en-US" dirty="0"/>
           </a:p>
@@ -18365,7 +18445,7 @@
             </a:r>
             <a:r>
               <a:rPr lang="en-US" dirty="0" smtClean="0"/>
-              <a:t>14W.</a:t>
+              <a:t>14M.</a:t>
             </a:r>
             <a:fld id="{577593A4-8B7D-AB44-BAA0-E529A5D995E7}" type="slidenum">
               <a:rPr lang="en-US" smtClean="0"/>
@@ -19059,7 +19139,11 @@
             </a:r>
             <a:r>
               <a:rPr lang="en-US" dirty="0" smtClean="0"/>
-              <a:t>May 16, 2012</a:t>
+              <a:t>May 14, </a:t>
+            </a:r>
+            <a:r>
+              <a:rPr lang="en-US" dirty="0" smtClean="0"/>
+              <a:t>2012</a:t>
             </a:r>
             <a:endParaRPr lang="en-US" dirty="0"/>
           </a:p>
@@ -19087,7 +19171,7 @@
           <a:graphicData uri="http://schemas.openxmlformats.org/presentationml/2006/ole">
             <mc:AlternateContent xmlns:mc="http://schemas.openxmlformats.org/markup-compatibility/2006">
               <mc:Choice xmlns:v="urn:schemas-microsoft-com:vml" Requires="v">
-                <p:oleObj spid="_x0000_s68648" name="Equation" r:id="rId4" imgW="812800" imgH="469900" progId="Equation.DSMT4">
+                <p:oleObj spid="_x0000_s68655" name="Equation" r:id="rId4" imgW="812800" imgH="469900" progId="Equation.DSMT4">
                   <p:embed/>
                 </p:oleObj>
               </mc:Choice>
@@ -19152,7 +19236,7 @@
           <a:graphicData uri="http://schemas.openxmlformats.org/presentationml/2006/ole">
             <mc:AlternateContent xmlns:mc="http://schemas.openxmlformats.org/markup-compatibility/2006">
               <mc:Choice xmlns:v="urn:schemas-microsoft-com:vml" Requires="v">
-                <p:oleObj spid="_x0000_s68649" name="Equation" r:id="rId6" imgW="177800" imgH="469900" progId="Equation.DSMT4">
+                <p:oleObj spid="_x0000_s68656" name="Equation" r:id="rId6" imgW="177800" imgH="469900" progId="Equation.DSMT4">
                   <p:embed/>
                 </p:oleObj>
               </mc:Choice>
@@ -19788,7 +19872,7 @@
             </a:r>
             <a:r>
               <a:rPr lang="en-US" dirty="0" smtClean="0"/>
-              <a:t>14W.</a:t>
+              <a:t>14M.</a:t>
             </a:r>
             <a:fld id="{E877D3CB-F960-BD47-98A7-06971C504846}" type="slidenum">
               <a:rPr lang="en-US" smtClean="0"/>
@@ -19831,7 +19915,11 @@
             </a:r>
             <a:r>
               <a:rPr lang="en-US" dirty="0" smtClean="0"/>
-              <a:t>May 16, 2012</a:t>
+              <a:t>May 14, </a:t>
+            </a:r>
+            <a:r>
+              <a:rPr lang="en-US" dirty="0" smtClean="0"/>
+              <a:t>2012</a:t>
             </a:r>
             <a:endParaRPr lang="en-US" dirty="0"/>
           </a:p>
@@ -19859,7 +19947,7 @@
           <a:graphicData uri="http://schemas.openxmlformats.org/presentationml/2006/ole">
             <mc:AlternateContent xmlns:mc="http://schemas.openxmlformats.org/markup-compatibility/2006">
               <mc:Choice xmlns:v="urn:schemas-microsoft-com:vml" Requires="v">
-                <p:oleObj spid="_x0000_s1081" name="Equation" r:id="rId3" imgW="2006600" imgH="292100" progId="Equation.DSMT4">
+                <p:oleObj spid="_x0000_s1091" name="Equation" r:id="rId3" imgW="2006600" imgH="292100" progId="Equation.DSMT4">
                   <p:embed/>
                 </p:oleObj>
               </mc:Choice>
@@ -19918,7 +20006,7 @@
           <a:graphicData uri="http://schemas.openxmlformats.org/presentationml/2006/ole">
             <mc:AlternateContent xmlns:mc="http://schemas.openxmlformats.org/markup-compatibility/2006">
               <mc:Choice xmlns:v="urn:schemas-microsoft-com:vml" Requires="v">
-                <p:oleObj spid="_x0000_s1082" name="Equation" r:id="rId5" imgW="2057400" imgH="292100" progId="Equation.DSMT4">
+                <p:oleObj spid="_x0000_s1092" name="Equation" r:id="rId5" imgW="2057400" imgH="292100" progId="Equation.DSMT4">
                   <p:embed/>
                 </p:oleObj>
               </mc:Choice>
@@ -19977,7 +20065,7 @@
           <a:graphicData uri="http://schemas.openxmlformats.org/presentationml/2006/ole">
             <mc:AlternateContent xmlns:mc="http://schemas.openxmlformats.org/markup-compatibility/2006">
               <mc:Choice xmlns:v="urn:schemas-microsoft-com:vml" Requires="v">
-                <p:oleObj spid="_x0000_s1083" name="Equation" r:id="rId7" imgW="2146300" imgH="292100" progId="Equation.DSMT4">
+                <p:oleObj spid="_x0000_s1093" name="Equation" r:id="rId7" imgW="2146300" imgH="292100" progId="Equation.DSMT4">
                   <p:embed/>
                 </p:oleObj>
               </mc:Choice>
@@ -20443,7 +20531,7 @@
             </a:r>
             <a:r>
               <a:rPr lang="en-US" dirty="0" smtClean="0"/>
-              <a:t>14W.</a:t>
+              <a:t>14M.</a:t>
             </a:r>
             <a:fld id="{E877D3CB-F960-BD47-98A7-06971C504846}" type="slidenum">
               <a:rPr lang="en-US" smtClean="0"/>
@@ -20486,7 +20574,11 @@
             </a:r>
             <a:r>
               <a:rPr lang="en-US" dirty="0" smtClean="0"/>
-              <a:t>May 16, 2012</a:t>
+              <a:t>May 14, </a:t>
+            </a:r>
+            <a:r>
+              <a:rPr lang="en-US" dirty="0" smtClean="0"/>
+              <a:t>2012</a:t>
             </a:r>
             <a:endParaRPr lang="en-US" dirty="0"/>
           </a:p>
@@ -20514,7 +20606,7 @@
           <a:graphicData uri="http://schemas.openxmlformats.org/presentationml/2006/ole">
             <mc:AlternateContent xmlns:mc="http://schemas.openxmlformats.org/markup-compatibility/2006">
               <mc:Choice xmlns:v="urn:schemas-microsoft-com:vml" Requires="v">
-                <p:oleObj spid="_x0000_s237605" name="Equation" r:id="rId3" imgW="3035300" imgH="558800" progId="Equation.DSMT4">
+                <p:oleObj spid="_x0000_s237612" name="Equation" r:id="rId3" imgW="3035300" imgH="558800" progId="Equation.DSMT4">
                   <p:embed/>
                 </p:oleObj>
               </mc:Choice>
@@ -20571,7 +20663,7 @@
           <a:graphicData uri="http://schemas.openxmlformats.org/presentationml/2006/ole">
             <mc:AlternateContent xmlns:mc="http://schemas.openxmlformats.org/markup-compatibility/2006">
               <mc:Choice xmlns:v="urn:schemas-microsoft-com:vml" Requires="v">
-                <p:oleObj spid="_x0000_s237606" name="Equation" r:id="rId5" imgW="1803400" imgH="330200" progId="Equation.DSMT4">
+                <p:oleObj spid="_x0000_s237613" name="Equation" r:id="rId5" imgW="1803400" imgH="330200" progId="Equation.DSMT4">
                   <p:embed/>
                 </p:oleObj>
               </mc:Choice>
@@ -20805,7 +20897,7 @@
             </a:r>
             <a:r>
               <a:rPr lang="en-US" dirty="0" smtClean="0"/>
-              <a:t>14W.</a:t>
+              <a:t>14M.</a:t>
             </a:r>
             <a:fld id="{E877D3CB-F960-BD47-98A7-06971C504846}" type="slidenum">
               <a:rPr lang="en-US" smtClean="0"/>
@@ -20848,7 +20940,11 @@
             </a:r>
             <a:r>
               <a:rPr lang="en-US" dirty="0" smtClean="0"/>
-              <a:t>May 16, 2012</a:t>
+              <a:t>May 14, </a:t>
+            </a:r>
+            <a:r>
+              <a:rPr lang="en-US" dirty="0" smtClean="0"/>
+              <a:t>2012</a:t>
             </a:r>
             <a:endParaRPr lang="en-US" dirty="0"/>
           </a:p>
@@ -20876,7 +20972,7 @@
           <a:graphicData uri="http://schemas.openxmlformats.org/presentationml/2006/ole">
             <mc:AlternateContent xmlns:mc="http://schemas.openxmlformats.org/markup-compatibility/2006">
               <mc:Choice xmlns:v="urn:schemas-microsoft-com:vml" Requires="v">
-                <p:oleObj spid="_x0000_s239628" name="Equation" r:id="rId3" imgW="1549400" imgH="508000" progId="Equation.DSMT4">
+                <p:oleObj spid="_x0000_s239632" name="Equation" r:id="rId3" imgW="1549400" imgH="508000" progId="Equation.DSMT4">
                   <p:embed/>
                 </p:oleObj>
               </mc:Choice>
@@ -21011,7 +21107,7 @@
             </a:r>
             <a:r>
               <a:rPr lang="en-US" dirty="0" smtClean="0"/>
-              <a:t>14W.</a:t>
+              <a:t>14M.</a:t>
             </a:r>
             <a:fld id="{E877D3CB-F960-BD47-98A7-06971C504846}" type="slidenum">
               <a:rPr lang="en-US" smtClean="0"/>
@@ -21054,7 +21150,11 @@
             </a:r>
             <a:r>
               <a:rPr lang="en-US" dirty="0" smtClean="0"/>
-              <a:t>May 16, 2012</a:t>
+              <a:t>May 14, </a:t>
+            </a:r>
+            <a:r>
+              <a:rPr lang="en-US" dirty="0" smtClean="0"/>
+              <a:t>2012</a:t>
             </a:r>
             <a:endParaRPr lang="en-US" dirty="0"/>
           </a:p>
@@ -21458,7 +21558,7 @@
             </a:r>
             <a:r>
               <a:rPr lang="en-US" dirty="0" smtClean="0"/>
-              <a:t>14W.</a:t>
+              <a:t>14M.</a:t>
             </a:r>
             <a:fld id="{FBA9CD94-4669-0B46-B053-A48B6134F8AC}" type="slidenum">
               <a:rPr lang="en-US" smtClean="0"/>
@@ -21595,7 +21695,11 @@
             </a:r>
             <a:r>
               <a:rPr lang="en-US" dirty="0" smtClean="0"/>
-              <a:t>May 16, 2012</a:t>
+              <a:t>May 14, </a:t>
+            </a:r>
+            <a:r>
+              <a:rPr lang="en-US" dirty="0" smtClean="0"/>
+              <a:t>2012</a:t>
             </a:r>
             <a:endParaRPr lang="en-US" dirty="0"/>
           </a:p>
@@ -21874,7 +21978,7 @@
             </a:r>
             <a:r>
               <a:rPr lang="en-US" dirty="0" smtClean="0"/>
-              <a:t>14W.</a:t>
+              <a:t>14M.</a:t>
             </a:r>
             <a:fld id="{E877D3CB-F960-BD47-98A7-06971C504846}" type="slidenum">
               <a:rPr lang="en-US" smtClean="0"/>
@@ -21917,7 +22021,11 @@
             </a:r>
             <a:r>
               <a:rPr lang="en-US" dirty="0" smtClean="0"/>
-              <a:t>May 16, 2012</a:t>
+              <a:t>May 14, </a:t>
+            </a:r>
+            <a:r>
+              <a:rPr lang="en-US" dirty="0" smtClean="0"/>
+              <a:t>2012</a:t>
             </a:r>
             <a:endParaRPr lang="en-US" dirty="0"/>
           </a:p>
@@ -22492,7 +22600,7 @@
             </a:r>
             <a:r>
               <a:rPr lang="en-US" dirty="0" smtClean="0"/>
-              <a:t>14W.</a:t>
+              <a:t>14M.</a:t>
             </a:r>
             <a:fld id="{C4461F72-8397-A54C-8A8A-56C7DBF0D442}" type="slidenum">
               <a:rPr lang="en-US" smtClean="0"/>
@@ -23163,7 +23271,11 @@
             </a:r>
             <a:r>
               <a:rPr lang="en-US" dirty="0" smtClean="0"/>
-              <a:t>May 16, 2012</a:t>
+              <a:t>May 14, </a:t>
+            </a:r>
+            <a:r>
+              <a:rPr lang="en-US" dirty="0" smtClean="0"/>
+              <a:t>2012</a:t>
             </a:r>
             <a:endParaRPr lang="en-US" dirty="0"/>
           </a:p>
@@ -23425,7 +23537,7 @@
             </a:r>
             <a:r>
               <a:rPr lang="en-US" dirty="0" smtClean="0"/>
-              <a:t>14W.</a:t>
+              <a:t>14M.</a:t>
             </a:r>
             <a:fld id="{1F859011-7C7E-724A-9635-B330832E05C4}" type="slidenum">
               <a:rPr lang="en-US" smtClean="0"/>
@@ -23587,7 +23699,11 @@
             </a:r>
             <a:r>
               <a:rPr lang="en-US" dirty="0" smtClean="0"/>
-              <a:t>May 16, 2012</a:t>
+              <a:t>May 14, </a:t>
+            </a:r>
+            <a:r>
+              <a:rPr lang="en-US" dirty="0" smtClean="0"/>
+              <a:t>2012</a:t>
             </a:r>
             <a:endParaRPr lang="en-US" dirty="0"/>
           </a:p>
@@ -23742,7 +23858,7 @@
             </a:r>
             <a:r>
               <a:rPr lang="en-US" dirty="0" smtClean="0"/>
-              <a:t>14W.</a:t>
+              <a:t>14M.</a:t>
             </a:r>
             <a:fld id="{1A58DCCE-006C-2247-9099-C179D2709666}" type="slidenum">
               <a:rPr lang="en-US" smtClean="0"/>
@@ -24141,7 +24257,11 @@
             </a:r>
             <a:r>
               <a:rPr lang="en-US" dirty="0" smtClean="0"/>
-              <a:t>May 16, 2012</a:t>
+              <a:t>May 14, </a:t>
+            </a:r>
+            <a:r>
+              <a:rPr lang="en-US" dirty="0" smtClean="0"/>
+              <a:t>2012</a:t>
             </a:r>
             <a:endParaRPr lang="en-US" dirty="0"/>
           </a:p>
@@ -24519,7 +24639,7 @@
             </a:r>
             <a:r>
               <a:rPr lang="en-US" dirty="0" smtClean="0"/>
-              <a:t>14W.</a:t>
+              <a:t>14M.</a:t>
             </a:r>
             <a:fld id="{1B818657-C012-2D4E-9D91-E82567AD91A2}" type="slidenum">
               <a:rPr lang="en-US" smtClean="0"/>
@@ -24686,7 +24806,11 @@
             </a:r>
             <a:r>
               <a:rPr lang="en-US" dirty="0" smtClean="0"/>
-              <a:t>May 16, 2012</a:t>
+              <a:t>May 14, </a:t>
+            </a:r>
+            <a:r>
+              <a:rPr lang="en-US" dirty="0" smtClean="0"/>
+              <a:t>2012</a:t>
             </a:r>
             <a:endParaRPr lang="en-US" dirty="0"/>
           </a:p>
@@ -24714,7 +24838,7 @@
           <a:graphicData uri="http://schemas.openxmlformats.org/presentationml/2006/ole">
             <mc:AlternateContent xmlns:mc="http://schemas.openxmlformats.org/markup-compatibility/2006">
               <mc:Choice xmlns:v="urn:schemas-microsoft-com:vml" Requires="v">
-                <p:oleObj spid="_x0000_s240650" name="Equation" r:id="rId4" imgW="1257300" imgH="469900" progId="Equation.DSMT4">
+                <p:oleObj spid="_x0000_s240654" name="Equation" r:id="rId4" imgW="1257300" imgH="469900" progId="Equation.DSMT4">
                   <p:embed/>
                 </p:oleObj>
               </mc:Choice>
@@ -24975,7 +25099,7 @@
             </a:r>
             <a:r>
               <a:rPr lang="en-US" dirty="0" smtClean="0"/>
-              <a:t>14W.</a:t>
+              <a:t>14M.</a:t>
             </a:r>
             <a:fld id="{8B4C27B2-6C40-2848-B9DB-97D985B60433}" type="slidenum">
               <a:rPr lang="en-US" smtClean="0"/>
@@ -25192,7 +25316,11 @@
             </a:r>
             <a:r>
               <a:rPr lang="en-US" dirty="0" smtClean="0"/>
-              <a:t>May 16, 2012</a:t>
+              <a:t>May 14, </a:t>
+            </a:r>
+            <a:r>
+              <a:rPr lang="en-US" dirty="0" smtClean="0"/>
+              <a:t>2012</a:t>
             </a:r>
             <a:endParaRPr lang="en-US" dirty="0"/>
           </a:p>
@@ -25339,7 +25467,7 @@
             </a:r>
             <a:r>
               <a:rPr lang="en-US" dirty="0" smtClean="0"/>
-              <a:t>14W.</a:t>
+              <a:t>14M.</a:t>
             </a:r>
             <a:fld id="{DDEDA1A4-F92A-C247-BD53-F6346675D8E3}" type="slidenum">
               <a:rPr lang="en-US" smtClean="0"/>
@@ -25841,7 +25969,11 @@
             </a:r>
             <a:r>
               <a:rPr lang="en-US" dirty="0" smtClean="0"/>
-              <a:t>May 16, 2012</a:t>
+              <a:t>May 14, </a:t>
+            </a:r>
+            <a:r>
+              <a:rPr lang="en-US" dirty="0" smtClean="0"/>
+              <a:t>2012</a:t>
             </a:r>
             <a:endParaRPr lang="en-US" dirty="0"/>
           </a:p>
